--- a/Concurrency/AdditionalInfo/SlidesDesu/GeekSlides.pptx
+++ b/Concurrency/AdditionalInfo/SlidesDesu/GeekSlides.pptx
@@ -106,6 +106,11 @@
       </a:defRPr>
     </a:lvl9pPr>
   </p:defaultTextStyle>
+  <p:extLst>
+    <p:ext uri="{EFAFB233-063F-42B5-8137-9DF3F51BA10A}">
+      <p15:sldGuideLst xmlns:p15="http://schemas.microsoft.com/office/powerpoint/2012/main"/>
+    </p:ext>
+  </p:extLst>
 </p:presentation>
 </file>
 
@@ -258,7 +263,7 @@
           <a:p>
             <a:fld id="{F0F3CF8E-9A20-4F63-BB32-DAAF82A630B5}" type="datetimeFigureOut">
               <a:rPr lang="en-GB" smtClean="0"/>
-              <a:t>03/11/2019</a:t>
+              <a:t>08/11/2019</a:t>
             </a:fld>
             <a:endParaRPr lang="en-GB"/>
           </a:p>
@@ -458,7 +463,7 @@
           <a:p>
             <a:fld id="{F0F3CF8E-9A20-4F63-BB32-DAAF82A630B5}" type="datetimeFigureOut">
               <a:rPr lang="en-GB" smtClean="0"/>
-              <a:t>03/11/2019</a:t>
+              <a:t>08/11/2019</a:t>
             </a:fld>
             <a:endParaRPr lang="en-GB"/>
           </a:p>
@@ -668,7 +673,7 @@
           <a:p>
             <a:fld id="{F0F3CF8E-9A20-4F63-BB32-DAAF82A630B5}" type="datetimeFigureOut">
               <a:rPr lang="en-GB" smtClean="0"/>
-              <a:t>03/11/2019</a:t>
+              <a:t>08/11/2019</a:t>
             </a:fld>
             <a:endParaRPr lang="en-GB"/>
           </a:p>
@@ -868,7 +873,7 @@
           <a:p>
             <a:fld id="{F0F3CF8E-9A20-4F63-BB32-DAAF82A630B5}" type="datetimeFigureOut">
               <a:rPr lang="en-GB" smtClean="0"/>
-              <a:t>03/11/2019</a:t>
+              <a:t>08/11/2019</a:t>
             </a:fld>
             <a:endParaRPr lang="en-GB"/>
           </a:p>
@@ -1144,7 +1149,7 @@
           <a:p>
             <a:fld id="{F0F3CF8E-9A20-4F63-BB32-DAAF82A630B5}" type="datetimeFigureOut">
               <a:rPr lang="en-GB" smtClean="0"/>
-              <a:t>03/11/2019</a:t>
+              <a:t>08/11/2019</a:t>
             </a:fld>
             <a:endParaRPr lang="en-GB"/>
           </a:p>
@@ -1412,7 +1417,7 @@
           <a:p>
             <a:fld id="{F0F3CF8E-9A20-4F63-BB32-DAAF82A630B5}" type="datetimeFigureOut">
               <a:rPr lang="en-GB" smtClean="0"/>
-              <a:t>03/11/2019</a:t>
+              <a:t>08/11/2019</a:t>
             </a:fld>
             <a:endParaRPr lang="en-GB"/>
           </a:p>
@@ -1827,7 +1832,7 @@
           <a:p>
             <a:fld id="{F0F3CF8E-9A20-4F63-BB32-DAAF82A630B5}" type="datetimeFigureOut">
               <a:rPr lang="en-GB" smtClean="0"/>
-              <a:t>03/11/2019</a:t>
+              <a:t>08/11/2019</a:t>
             </a:fld>
             <a:endParaRPr lang="en-GB"/>
           </a:p>
@@ -1969,7 +1974,7 @@
           <a:p>
             <a:fld id="{F0F3CF8E-9A20-4F63-BB32-DAAF82A630B5}" type="datetimeFigureOut">
               <a:rPr lang="en-GB" smtClean="0"/>
-              <a:t>03/11/2019</a:t>
+              <a:t>08/11/2019</a:t>
             </a:fld>
             <a:endParaRPr lang="en-GB"/>
           </a:p>
@@ -2082,7 +2087,7 @@
           <a:p>
             <a:fld id="{F0F3CF8E-9A20-4F63-BB32-DAAF82A630B5}" type="datetimeFigureOut">
               <a:rPr lang="en-GB" smtClean="0"/>
-              <a:t>03/11/2019</a:t>
+              <a:t>08/11/2019</a:t>
             </a:fld>
             <a:endParaRPr lang="en-GB"/>
           </a:p>
@@ -2395,7 +2400,7 @@
           <a:p>
             <a:fld id="{F0F3CF8E-9A20-4F63-BB32-DAAF82A630B5}" type="datetimeFigureOut">
               <a:rPr lang="en-GB" smtClean="0"/>
-              <a:t>03/11/2019</a:t>
+              <a:t>08/11/2019</a:t>
             </a:fld>
             <a:endParaRPr lang="en-GB"/>
           </a:p>
@@ -2684,7 +2689,7 @@
           <a:p>
             <a:fld id="{F0F3CF8E-9A20-4F63-BB32-DAAF82A630B5}" type="datetimeFigureOut">
               <a:rPr lang="en-GB" smtClean="0"/>
-              <a:t>03/11/2019</a:t>
+              <a:t>08/11/2019</a:t>
             </a:fld>
             <a:endParaRPr lang="en-GB"/>
           </a:p>
@@ -2927,7 +2932,7 @@
           <a:p>
             <a:fld id="{F0F3CF8E-9A20-4F63-BB32-DAAF82A630B5}" type="datetimeFigureOut">
               <a:rPr lang="en-GB" smtClean="0"/>
-              <a:t>03/11/2019</a:t>
+              <a:t>08/11/2019</a:t>
             </a:fld>
             <a:endParaRPr lang="en-GB"/>
           </a:p>
@@ -3479,7 +3484,12 @@
             <p:ph idx="1"/>
           </p:nvPr>
         </p:nvSpPr>
-        <p:spPr/>
+        <p:spPr>
+          <a:xfrm>
+            <a:off x="838200" y="1403595"/>
+            <a:ext cx="10515600" cy="4351338"/>
+          </a:xfrm>
+        </p:spPr>
         <p:txBody>
           <a:bodyPr/>
           <a:lstStyle/>
@@ -3498,8 +3508,44 @@
               <a:t>Sharing Variables</a:t>
             </a:r>
           </a:p>
-        </p:txBody>
-      </p:sp>
+          <a:p>
+            <a:endParaRPr lang="en-GB" dirty="0"/>
+          </a:p>
+          <a:p>
+            <a:endParaRPr lang="en-GB" dirty="0"/>
+          </a:p>
+        </p:txBody>
+      </p:sp>
+      <p:pic>
+        <p:nvPicPr>
+          <p:cNvPr id="4" name="Picture 3">
+            <a:extLst>
+              <a:ext uri="{FF2B5EF4-FFF2-40B4-BE49-F238E27FC236}">
+                <a16:creationId xmlns:a16="http://schemas.microsoft.com/office/drawing/2014/main" id="{4AEAB88B-5056-4E12-BF69-E0DA446017DF}"/>
+              </a:ext>
+            </a:extLst>
+          </p:cNvPr>
+          <p:cNvPicPr>
+            <a:picLocks noChangeAspect="1"/>
+          </p:cNvPicPr>
+          <p:nvPr/>
+        </p:nvPicPr>
+        <p:blipFill>
+          <a:blip r:embed="rId2"/>
+          <a:stretch>
+            <a:fillRect/>
+          </a:stretch>
+        </p:blipFill>
+        <p:spPr>
+          <a:xfrm>
+            <a:off x="1090247" y="3056195"/>
+            <a:ext cx="10011506" cy="3245255"/>
+          </a:xfrm>
+          <a:prstGeom prst="rect">
+            <a:avLst/>
+          </a:prstGeom>
+        </p:spPr>
+      </p:pic>
     </p:spTree>
     <p:extLst>
       <p:ext uri="{BB962C8B-B14F-4D97-AF65-F5344CB8AC3E}">

--- a/Concurrency/AdditionalInfo/SlidesDesu/GeekSlides.pptx
+++ b/Concurrency/AdditionalInfo/SlidesDesu/GeekSlides.pptx
@@ -7,7 +7,11 @@
   <p:sldIdLst>
     <p:sldId id="256" r:id="rId2"/>
     <p:sldId id="257" r:id="rId3"/>
-    <p:sldId id="258" r:id="rId4"/>
+    <p:sldId id="259" r:id="rId4"/>
+    <p:sldId id="260" r:id="rId5"/>
+    <p:sldId id="261" r:id="rId6"/>
+    <p:sldId id="262" r:id="rId7"/>
+    <p:sldId id="258" r:id="rId8"/>
   </p:sldIdLst>
   <p:sldSz cx="12192000" cy="6858000"/>
   <p:notesSz cx="6858000" cy="9144000"/>
@@ -263,7 +267,7 @@
           <a:p>
             <a:fld id="{F0F3CF8E-9A20-4F63-BB32-DAAF82A630B5}" type="datetimeFigureOut">
               <a:rPr lang="en-GB" smtClean="0"/>
-              <a:t>08/11/2019</a:t>
+              <a:t>02/01/2020</a:t>
             </a:fld>
             <a:endParaRPr lang="en-GB"/>
           </a:p>
@@ -463,7 +467,7 @@
           <a:p>
             <a:fld id="{F0F3CF8E-9A20-4F63-BB32-DAAF82A630B5}" type="datetimeFigureOut">
               <a:rPr lang="en-GB" smtClean="0"/>
-              <a:t>08/11/2019</a:t>
+              <a:t>02/01/2020</a:t>
             </a:fld>
             <a:endParaRPr lang="en-GB"/>
           </a:p>
@@ -673,7 +677,7 @@
           <a:p>
             <a:fld id="{F0F3CF8E-9A20-4F63-BB32-DAAF82A630B5}" type="datetimeFigureOut">
               <a:rPr lang="en-GB" smtClean="0"/>
-              <a:t>08/11/2019</a:t>
+              <a:t>02/01/2020</a:t>
             </a:fld>
             <a:endParaRPr lang="en-GB"/>
           </a:p>
@@ -873,7 +877,7 @@
           <a:p>
             <a:fld id="{F0F3CF8E-9A20-4F63-BB32-DAAF82A630B5}" type="datetimeFigureOut">
               <a:rPr lang="en-GB" smtClean="0"/>
-              <a:t>08/11/2019</a:t>
+              <a:t>02/01/2020</a:t>
             </a:fld>
             <a:endParaRPr lang="en-GB"/>
           </a:p>
@@ -1149,7 +1153,7 @@
           <a:p>
             <a:fld id="{F0F3CF8E-9A20-4F63-BB32-DAAF82A630B5}" type="datetimeFigureOut">
               <a:rPr lang="en-GB" smtClean="0"/>
-              <a:t>08/11/2019</a:t>
+              <a:t>02/01/2020</a:t>
             </a:fld>
             <a:endParaRPr lang="en-GB"/>
           </a:p>
@@ -1417,7 +1421,7 @@
           <a:p>
             <a:fld id="{F0F3CF8E-9A20-4F63-BB32-DAAF82A630B5}" type="datetimeFigureOut">
               <a:rPr lang="en-GB" smtClean="0"/>
-              <a:t>08/11/2019</a:t>
+              <a:t>02/01/2020</a:t>
             </a:fld>
             <a:endParaRPr lang="en-GB"/>
           </a:p>
@@ -1832,7 +1836,7 @@
           <a:p>
             <a:fld id="{F0F3CF8E-9A20-4F63-BB32-DAAF82A630B5}" type="datetimeFigureOut">
               <a:rPr lang="en-GB" smtClean="0"/>
-              <a:t>08/11/2019</a:t>
+              <a:t>02/01/2020</a:t>
             </a:fld>
             <a:endParaRPr lang="en-GB"/>
           </a:p>
@@ -1974,7 +1978,7 @@
           <a:p>
             <a:fld id="{F0F3CF8E-9A20-4F63-BB32-DAAF82A630B5}" type="datetimeFigureOut">
               <a:rPr lang="en-GB" smtClean="0"/>
-              <a:t>08/11/2019</a:t>
+              <a:t>02/01/2020</a:t>
             </a:fld>
             <a:endParaRPr lang="en-GB"/>
           </a:p>
@@ -2087,7 +2091,7 @@
           <a:p>
             <a:fld id="{F0F3CF8E-9A20-4F63-BB32-DAAF82A630B5}" type="datetimeFigureOut">
               <a:rPr lang="en-GB" smtClean="0"/>
-              <a:t>08/11/2019</a:t>
+              <a:t>02/01/2020</a:t>
             </a:fld>
             <a:endParaRPr lang="en-GB"/>
           </a:p>
@@ -2400,7 +2404,7 @@
           <a:p>
             <a:fld id="{F0F3CF8E-9A20-4F63-BB32-DAAF82A630B5}" type="datetimeFigureOut">
               <a:rPr lang="en-GB" smtClean="0"/>
-              <a:t>08/11/2019</a:t>
+              <a:t>02/01/2020</a:t>
             </a:fld>
             <a:endParaRPr lang="en-GB"/>
           </a:p>
@@ -2689,7 +2693,7 @@
           <a:p>
             <a:fld id="{F0F3CF8E-9A20-4F63-BB32-DAAF82A630B5}" type="datetimeFigureOut">
               <a:rPr lang="en-GB" smtClean="0"/>
-              <a:t>08/11/2019</a:t>
+              <a:t>02/01/2020</a:t>
             </a:fld>
             <a:endParaRPr lang="en-GB"/>
           </a:p>
@@ -2932,7 +2936,7 @@
           <a:p>
             <a:fld id="{F0F3CF8E-9A20-4F63-BB32-DAAF82A630B5}" type="datetimeFigureOut">
               <a:rPr lang="en-GB" smtClean="0"/>
-              <a:t>08/11/2019</a:t>
+              <a:t>02/01/2020</a:t>
             </a:fld>
             <a:endParaRPr lang="en-GB"/>
           </a:p>
@@ -3400,7 +3404,7 @@
           <a:p>
             <a:r>
               <a:rPr lang="en-GB" dirty="0"/>
-              <a:t>In </a:t>
+              <a:t>in </a:t>
             </a:r>
             <a:r>
               <a:rPr lang="en-GB" dirty="0" err="1"/>
@@ -3560,6 +3564,562 @@
 </file>
 
 <file path=ppt/slides/slide3.xml><?xml version="1.0" encoding="utf-8"?>
+<p:sld xmlns:a="http://schemas.openxmlformats.org/drawingml/2006/main" xmlns:r="http://schemas.openxmlformats.org/officeDocument/2006/relationships" xmlns:p="http://schemas.openxmlformats.org/presentationml/2006/main">
+  <p:cSld>
+    <p:spTree>
+      <p:nvGrpSpPr>
+        <p:cNvPr id="1" name=""/>
+        <p:cNvGrpSpPr/>
+        <p:nvPr/>
+      </p:nvGrpSpPr>
+      <p:grpSpPr>
+        <a:xfrm>
+          <a:off x="0" y="0"/>
+          <a:ext cx="0" cy="0"/>
+          <a:chOff x="0" y="0"/>
+          <a:chExt cx="0" cy="0"/>
+        </a:xfrm>
+      </p:grpSpPr>
+      <p:sp>
+        <p:nvSpPr>
+          <p:cNvPr id="2" name="Title 1">
+            <a:extLst>
+              <a:ext uri="{FF2B5EF4-FFF2-40B4-BE49-F238E27FC236}">
+                <a16:creationId xmlns:a16="http://schemas.microsoft.com/office/drawing/2014/main" id="{41CFB804-7BEC-4ED5-A0D9-FF93122B8260}"/>
+              </a:ext>
+            </a:extLst>
+          </p:cNvPr>
+          <p:cNvSpPr>
+            <a:spLocks noGrp="1"/>
+          </p:cNvSpPr>
+          <p:nvPr>
+            <p:ph type="title"/>
+          </p:nvPr>
+        </p:nvSpPr>
+        <p:spPr/>
+        <p:txBody>
+          <a:bodyPr/>
+          <a:lstStyle/>
+          <a:p>
+            <a:r>
+              <a:rPr lang="en-GB" dirty="0"/>
+              <a:t>Looping	</a:t>
+            </a:r>
+          </a:p>
+        </p:txBody>
+      </p:sp>
+      <p:sp>
+        <p:nvSpPr>
+          <p:cNvPr id="3" name="Content Placeholder 2">
+            <a:extLst>
+              <a:ext uri="{FF2B5EF4-FFF2-40B4-BE49-F238E27FC236}">
+                <a16:creationId xmlns:a16="http://schemas.microsoft.com/office/drawing/2014/main" id="{E980D23C-CB26-4106-B468-F18CC68728A6}"/>
+              </a:ext>
+            </a:extLst>
+          </p:cNvPr>
+          <p:cNvSpPr>
+            <a:spLocks noGrp="1"/>
+          </p:cNvSpPr>
+          <p:nvPr>
+            <p:ph idx="1"/>
+          </p:nvPr>
+        </p:nvSpPr>
+        <p:spPr/>
+        <p:txBody>
+          <a:bodyPr/>
+          <a:lstStyle/>
+          <a:p>
+            <a:r>
+              <a:rPr lang="en-GB" dirty="0"/>
+              <a:t>Simple example – sum of prime numbers:</a:t>
+            </a:r>
+          </a:p>
+          <a:p>
+            <a:pPr lvl="1"/>
+            <a:r>
+              <a:rPr lang="en-GB" dirty="0"/>
+              <a:t>Sequential – base/source of truth – </a:t>
+            </a:r>
+            <a:r>
+              <a:rPr lang="en-GB" dirty="0" err="1"/>
+              <a:t>a.k.a</a:t>
+            </a:r>
+            <a:r>
+              <a:rPr lang="en-GB" dirty="0"/>
+              <a:t> ‘The Boring’ way of doing things</a:t>
+            </a:r>
+          </a:p>
+          <a:p>
+            <a:pPr lvl="1"/>
+            <a:r>
+              <a:rPr lang="en-GB" dirty="0"/>
+              <a:t>The ‘give me speed, I don’t care about accuracy’ method (a.k.a. ‘The Dragos’)</a:t>
+            </a:r>
+          </a:p>
+          <a:p>
+            <a:pPr lvl="1"/>
+            <a:r>
+              <a:rPr lang="en-GB" dirty="0"/>
+              <a:t>Global Lock – synchronise each operation - </a:t>
+            </a:r>
+            <a:r>
+              <a:rPr lang="en-GB" dirty="0" err="1"/>
+              <a:t>a.k.a</a:t>
+            </a:r>
+            <a:r>
+              <a:rPr lang="en-GB" dirty="0"/>
+              <a:t> ‘The Overkill’</a:t>
+            </a:r>
+          </a:p>
+          <a:p>
+            <a:pPr lvl="1"/>
+            <a:r>
+              <a:rPr lang="en-GB" dirty="0"/>
+              <a:t>Local thread lock – synchronise each thread merge - a.k.a. ‘The </a:t>
+            </a:r>
+            <a:r>
+              <a:rPr lang="en-GB" dirty="0" err="1"/>
+              <a:t>OverEngineered</a:t>
+            </a:r>
+            <a:r>
+              <a:rPr lang="en-GB" dirty="0"/>
+              <a:t>’ way of doing things</a:t>
+            </a:r>
+          </a:p>
+          <a:p>
+            <a:pPr lvl="1"/>
+            <a:endParaRPr lang="en-GB" dirty="0"/>
+          </a:p>
+        </p:txBody>
+      </p:sp>
+    </p:spTree>
+    <p:extLst>
+      <p:ext uri="{BB962C8B-B14F-4D97-AF65-F5344CB8AC3E}">
+        <p14:creationId xmlns:p14="http://schemas.microsoft.com/office/powerpoint/2010/main" val="1660901082"/>
+      </p:ext>
+    </p:extLst>
+  </p:cSld>
+  <p:clrMapOvr>
+    <a:masterClrMapping/>
+  </p:clrMapOvr>
+</p:sld>
+</file>
+
+<file path=ppt/slides/slide4.xml><?xml version="1.0" encoding="utf-8"?>
+<p:sld xmlns:a="http://schemas.openxmlformats.org/drawingml/2006/main" xmlns:r="http://schemas.openxmlformats.org/officeDocument/2006/relationships" xmlns:p="http://schemas.openxmlformats.org/presentationml/2006/main">
+  <p:cSld>
+    <p:spTree>
+      <p:nvGrpSpPr>
+        <p:cNvPr id="1" name=""/>
+        <p:cNvGrpSpPr/>
+        <p:nvPr/>
+      </p:nvGrpSpPr>
+      <p:grpSpPr>
+        <a:xfrm>
+          <a:off x="0" y="0"/>
+          <a:ext cx="0" cy="0"/>
+          <a:chOff x="0" y="0"/>
+          <a:chExt cx="0" cy="0"/>
+        </a:xfrm>
+      </p:grpSpPr>
+      <p:sp>
+        <p:nvSpPr>
+          <p:cNvPr id="2" name="Title 1">
+            <a:extLst>
+              <a:ext uri="{FF2B5EF4-FFF2-40B4-BE49-F238E27FC236}">
+                <a16:creationId xmlns:a16="http://schemas.microsoft.com/office/drawing/2014/main" id="{41CFB804-7BEC-4ED5-A0D9-FF93122B8260}"/>
+              </a:ext>
+            </a:extLst>
+          </p:cNvPr>
+          <p:cNvSpPr>
+            <a:spLocks noGrp="1"/>
+          </p:cNvSpPr>
+          <p:nvPr>
+            <p:ph type="title"/>
+          </p:nvPr>
+        </p:nvSpPr>
+        <p:spPr/>
+        <p:txBody>
+          <a:bodyPr/>
+          <a:lstStyle/>
+          <a:p>
+            <a:r>
+              <a:rPr lang="en-GB" dirty="0"/>
+              <a:t>Looping danger – even boring ways can be dangerous	</a:t>
+            </a:r>
+          </a:p>
+        </p:txBody>
+      </p:sp>
+      <p:sp>
+        <p:nvSpPr>
+          <p:cNvPr id="3" name="Content Placeholder 2">
+            <a:extLst>
+              <a:ext uri="{FF2B5EF4-FFF2-40B4-BE49-F238E27FC236}">
+                <a16:creationId xmlns:a16="http://schemas.microsoft.com/office/drawing/2014/main" id="{E980D23C-CB26-4106-B468-F18CC68728A6}"/>
+              </a:ext>
+            </a:extLst>
+          </p:cNvPr>
+          <p:cNvSpPr>
+            <a:spLocks noGrp="1"/>
+          </p:cNvSpPr>
+          <p:nvPr>
+            <p:ph idx="1"/>
+          </p:nvPr>
+        </p:nvSpPr>
+        <p:spPr/>
+        <p:txBody>
+          <a:bodyPr/>
+          <a:lstStyle/>
+          <a:p>
+            <a:r>
+              <a:rPr lang="en-GB" dirty="0"/>
+              <a:t>Simple sequential example – sum of prime numbers:</a:t>
+            </a:r>
+          </a:p>
+          <a:p>
+            <a:pPr lvl="2"/>
+            <a:r>
+              <a:rPr lang="en-GB" dirty="0"/>
+              <a:t>apparently boring, vanilla, really safe way of doing things…</a:t>
+            </a:r>
+          </a:p>
+          <a:p>
+            <a:pPr lvl="2"/>
+            <a:r>
+              <a:rPr lang="en-GB" dirty="0"/>
+              <a:t>can lead to unexpected results…</a:t>
+            </a:r>
+          </a:p>
+          <a:p>
+            <a:pPr lvl="2"/>
+            <a:r>
+              <a:rPr lang="en-GB" dirty="0"/>
+              <a:t>if you change values while looping over them…</a:t>
+            </a:r>
+          </a:p>
+          <a:p>
+            <a:pPr lvl="2"/>
+            <a:endParaRPr lang="en-GB" dirty="0"/>
+          </a:p>
+          <a:p>
+            <a:pPr lvl="2"/>
+            <a:r>
+              <a:rPr lang="en-GB" dirty="0"/>
+              <a:t>s h o c k </a:t>
+            </a:r>
+            <a:r>
+              <a:rPr lang="en-GB" dirty="0" err="1"/>
+              <a:t>i</a:t>
+            </a:r>
+            <a:r>
+              <a:rPr lang="en-GB" dirty="0"/>
+              <a:t> n g !, I know, and…</a:t>
+            </a:r>
+          </a:p>
+          <a:p>
+            <a:pPr lvl="2"/>
+            <a:endParaRPr lang="en-GB" dirty="0"/>
+          </a:p>
+          <a:p>
+            <a:pPr lvl="2"/>
+            <a:r>
+              <a:rPr lang="en-GB" dirty="0"/>
+              <a:t>you’ll be surprised of how easy it is to do if…</a:t>
+            </a:r>
+          </a:p>
+          <a:p>
+            <a:pPr lvl="2"/>
+            <a:r>
+              <a:rPr lang="en-GB" dirty="0"/>
+              <a:t>the looping and the modifying are concurrently done in different methods…</a:t>
+            </a:r>
+          </a:p>
+          <a:p>
+            <a:pPr lvl="2"/>
+            <a:r>
+              <a:rPr lang="en-GB" dirty="0"/>
+              <a:t>possibly even in different cs. files…</a:t>
+            </a:r>
+          </a:p>
+          <a:p>
+            <a:pPr lvl="2"/>
+            <a:r>
+              <a:rPr lang="en-GB" dirty="0"/>
+              <a:t>*cough* *cough* </a:t>
+            </a:r>
+            <a:r>
+              <a:rPr lang="en-GB" i="1" dirty="0" err="1"/>
+              <a:t>StandardResults</a:t>
+            </a:r>
+            <a:r>
+              <a:rPr lang="en-GB" i="1" dirty="0"/>
+              <a:t>?</a:t>
+            </a:r>
+            <a:endParaRPr lang="en-GB" dirty="0"/>
+          </a:p>
+          <a:p>
+            <a:pPr lvl="3"/>
+            <a:endParaRPr lang="en-GB" dirty="0"/>
+          </a:p>
+          <a:p>
+            <a:pPr lvl="1"/>
+            <a:endParaRPr lang="en-GB" dirty="0"/>
+          </a:p>
+        </p:txBody>
+      </p:sp>
+    </p:spTree>
+    <p:extLst>
+      <p:ext uri="{BB962C8B-B14F-4D97-AF65-F5344CB8AC3E}">
+        <p14:creationId xmlns:p14="http://schemas.microsoft.com/office/powerpoint/2010/main" val="2011983932"/>
+      </p:ext>
+    </p:extLst>
+  </p:cSld>
+  <p:clrMapOvr>
+    <a:masterClrMapping/>
+  </p:clrMapOvr>
+</p:sld>
+</file>
+
+<file path=ppt/slides/slide5.xml><?xml version="1.0" encoding="utf-8"?>
+<p:sld xmlns:a="http://schemas.openxmlformats.org/drawingml/2006/main" xmlns:r="http://schemas.openxmlformats.org/officeDocument/2006/relationships" xmlns:p="http://schemas.openxmlformats.org/presentationml/2006/main">
+  <p:cSld>
+    <p:spTree>
+      <p:nvGrpSpPr>
+        <p:cNvPr id="1" name=""/>
+        <p:cNvGrpSpPr/>
+        <p:nvPr/>
+      </p:nvGrpSpPr>
+      <p:grpSpPr>
+        <a:xfrm>
+          <a:off x="0" y="0"/>
+          <a:ext cx="0" cy="0"/>
+          <a:chOff x="0" y="0"/>
+          <a:chExt cx="0" cy="0"/>
+        </a:xfrm>
+      </p:grpSpPr>
+      <p:sp>
+        <p:nvSpPr>
+          <p:cNvPr id="2" name="Title 1">
+            <a:extLst>
+              <a:ext uri="{FF2B5EF4-FFF2-40B4-BE49-F238E27FC236}">
+                <a16:creationId xmlns:a16="http://schemas.microsoft.com/office/drawing/2014/main" id="{8E8303DD-DDC4-4DB0-9DD3-AEDB6446986B}"/>
+              </a:ext>
+            </a:extLst>
+          </p:cNvPr>
+          <p:cNvSpPr>
+            <a:spLocks noGrp="1"/>
+          </p:cNvSpPr>
+          <p:nvPr>
+            <p:ph type="title"/>
+          </p:nvPr>
+        </p:nvSpPr>
+        <p:spPr/>
+        <p:txBody>
+          <a:bodyPr/>
+          <a:lstStyle/>
+          <a:p>
+            <a:r>
+              <a:rPr lang="en-GB" dirty="0"/>
+              <a:t>Partitioning – The path of </a:t>
+            </a:r>
+            <a:r>
+              <a:rPr lang="en-GB" dirty="0" err="1"/>
+              <a:t>EazyGainz</a:t>
+            </a:r>
+            <a:endParaRPr lang="en-GB" dirty="0"/>
+          </a:p>
+        </p:txBody>
+      </p:sp>
+      <p:sp>
+        <p:nvSpPr>
+          <p:cNvPr id="3" name="Content Placeholder 2">
+            <a:extLst>
+              <a:ext uri="{FF2B5EF4-FFF2-40B4-BE49-F238E27FC236}">
+                <a16:creationId xmlns:a16="http://schemas.microsoft.com/office/drawing/2014/main" id="{2EA23EF1-9CA1-4D90-9E9A-B7E200A8D19E}"/>
+              </a:ext>
+            </a:extLst>
+          </p:cNvPr>
+          <p:cNvSpPr>
+            <a:spLocks noGrp="1"/>
+          </p:cNvSpPr>
+          <p:nvPr>
+            <p:ph idx="1"/>
+          </p:nvPr>
+        </p:nvSpPr>
+        <p:spPr/>
+        <p:txBody>
+          <a:bodyPr/>
+          <a:lstStyle/>
+          <a:p>
+            <a:r>
+              <a:rPr lang="en-GB" dirty="0"/>
+              <a:t>Partitioning your data before looping seems to be a 1-liner that can provide some speed improvement</a:t>
+            </a:r>
+          </a:p>
+        </p:txBody>
+      </p:sp>
+    </p:spTree>
+    <p:extLst>
+      <p:ext uri="{BB962C8B-B14F-4D97-AF65-F5344CB8AC3E}">
+        <p14:creationId xmlns:p14="http://schemas.microsoft.com/office/powerpoint/2010/main" val="4289220177"/>
+      </p:ext>
+    </p:extLst>
+  </p:cSld>
+  <p:clrMapOvr>
+    <a:masterClrMapping/>
+  </p:clrMapOvr>
+</p:sld>
+</file>
+
+<file path=ppt/slides/slide6.xml><?xml version="1.0" encoding="utf-8"?>
+<p:sld xmlns:a="http://schemas.openxmlformats.org/drawingml/2006/main" xmlns:r="http://schemas.openxmlformats.org/officeDocument/2006/relationships" xmlns:p="http://schemas.openxmlformats.org/presentationml/2006/main">
+  <p:cSld>
+    <p:spTree>
+      <p:nvGrpSpPr>
+        <p:cNvPr id="1" name=""/>
+        <p:cNvGrpSpPr/>
+        <p:nvPr/>
+      </p:nvGrpSpPr>
+      <p:grpSpPr>
+        <a:xfrm>
+          <a:off x="0" y="0"/>
+          <a:ext cx="0" cy="0"/>
+          <a:chOff x="0" y="0"/>
+          <a:chExt cx="0" cy="0"/>
+        </a:xfrm>
+      </p:grpSpPr>
+      <p:sp>
+        <p:nvSpPr>
+          <p:cNvPr id="2" name="Title 1">
+            <a:extLst>
+              <a:ext uri="{FF2B5EF4-FFF2-40B4-BE49-F238E27FC236}">
+                <a16:creationId xmlns:a16="http://schemas.microsoft.com/office/drawing/2014/main" id="{8E8303DD-DDC4-4DB0-9DD3-AEDB6446986B}"/>
+              </a:ext>
+            </a:extLst>
+          </p:cNvPr>
+          <p:cNvSpPr>
+            <a:spLocks noGrp="1"/>
+          </p:cNvSpPr>
+          <p:nvPr>
+            <p:ph type="title"/>
+          </p:nvPr>
+        </p:nvSpPr>
+        <p:spPr/>
+        <p:txBody>
+          <a:bodyPr/>
+          <a:lstStyle/>
+          <a:p>
+            <a:r>
+              <a:rPr lang="en-GB" dirty="0"/>
+              <a:t>F# Intro, F# integration, Functional composition and Task Extensions</a:t>
+            </a:r>
+          </a:p>
+        </p:txBody>
+      </p:sp>
+      <p:sp>
+        <p:nvSpPr>
+          <p:cNvPr id="3" name="Content Placeholder 2">
+            <a:extLst>
+              <a:ext uri="{FF2B5EF4-FFF2-40B4-BE49-F238E27FC236}">
+                <a16:creationId xmlns:a16="http://schemas.microsoft.com/office/drawing/2014/main" id="{2EA23EF1-9CA1-4D90-9E9A-B7E200A8D19E}"/>
+              </a:ext>
+            </a:extLst>
+          </p:cNvPr>
+          <p:cNvSpPr>
+            <a:spLocks noGrp="1"/>
+          </p:cNvSpPr>
+          <p:nvPr>
+            <p:ph idx="1"/>
+          </p:nvPr>
+        </p:nvSpPr>
+        <p:spPr/>
+        <p:txBody>
+          <a:bodyPr/>
+          <a:lstStyle/>
+          <a:p>
+            <a:r>
+              <a:rPr lang="en-GB" dirty="0" err="1"/>
+              <a:t>woop</a:t>
+            </a:r>
+            <a:r>
+              <a:rPr lang="en-GB" dirty="0"/>
+              <a:t>! </a:t>
+            </a:r>
+            <a:r>
+              <a:rPr lang="en-GB" dirty="0" err="1"/>
+              <a:t>woop</a:t>
+            </a:r>
+            <a:r>
+              <a:rPr lang="en-GB" dirty="0"/>
+              <a:t>! – almost there gang</a:t>
+            </a:r>
+          </a:p>
+          <a:p>
+            <a:endParaRPr lang="en-GB" dirty="0"/>
+          </a:p>
+          <a:p>
+            <a:r>
+              <a:rPr lang="en-GB" dirty="0"/>
+              <a:t>A bit of showcasing how you can (almost) seamlessly have C# and F# code talk to each other</a:t>
+            </a:r>
+          </a:p>
+          <a:p>
+            <a:r>
+              <a:rPr lang="en-GB" dirty="0"/>
+              <a:t>Some classes reusable across both languages, other classes have specific implementations (e.g. </a:t>
+            </a:r>
+            <a:r>
+              <a:rPr lang="en-GB" dirty="0" err="1"/>
+              <a:t>Func</a:t>
+            </a:r>
+            <a:r>
+              <a:rPr lang="en-GB" dirty="0"/>
+              <a:t>&lt;T..&gt;)</a:t>
+            </a:r>
+          </a:p>
+          <a:p>
+            <a:r>
+              <a:rPr lang="en-GB" dirty="0"/>
+              <a:t>Extension methods and </a:t>
+            </a:r>
+            <a:r>
+              <a:rPr lang="en-GB" dirty="0" err="1"/>
+              <a:t>funcs</a:t>
+            </a:r>
+            <a:r>
+              <a:rPr lang="en-GB" dirty="0"/>
+              <a:t> to manipulate tasks more interestingly</a:t>
+            </a:r>
+          </a:p>
+          <a:p>
+            <a:r>
+              <a:rPr lang="en-GB" dirty="0"/>
+              <a:t>Be aware that you are still working of Tasks under the hood. </a:t>
+            </a:r>
+          </a:p>
+          <a:p>
+            <a:pPr lvl="1"/>
+            <a:r>
+              <a:rPr lang="en-GB" dirty="0"/>
+              <a:t>The previous caveats still apply.</a:t>
+            </a:r>
+          </a:p>
+        </p:txBody>
+      </p:sp>
+    </p:spTree>
+    <p:extLst>
+      <p:ext uri="{BB962C8B-B14F-4D97-AF65-F5344CB8AC3E}">
+        <p14:creationId xmlns:p14="http://schemas.microsoft.com/office/powerpoint/2010/main" val="1084165754"/>
+      </p:ext>
+    </p:extLst>
+  </p:cSld>
+  <p:clrMapOvr>
+    <a:masterClrMapping/>
+  </p:clrMapOvr>
+</p:sld>
+</file>
+
+<file path=ppt/slides/slide7.xml><?xml version="1.0" encoding="utf-8"?>
 <p:sld xmlns:a="http://schemas.openxmlformats.org/drawingml/2006/main" xmlns:r="http://schemas.openxmlformats.org/officeDocument/2006/relationships" xmlns:p="http://schemas.openxmlformats.org/presentationml/2006/main">
   <p:cSld>
     <p:spTree>
